--- a/Atmospheric Simulations/Reports/CLASS_Simulations/MoistureBudget/Moisture_Budget_presentation.pptx
+++ b/Atmospheric Simulations/Reports/CLASS_Simulations/MoistureBudget/Moisture_Budget_presentation.pptx
@@ -29,6 +29,7 @@
     <p:sldId id="278" r:id="rId23"/>
     <p:sldId id="279" r:id="rId24"/>
     <p:sldId id="281" r:id="rId25"/>
+    <p:sldId id="282" r:id="rId26"/>
   </p:sldIdLst>
   <p:sldSz cx="12192000" cy="6858000"/>
   <p:notesSz cx="6858000" cy="9144000"/>
@@ -127,6 +128,11 @@
       </a:defRPr>
     </a:lvl9pPr>
   </p:defaultTextStyle>
+  <p:extLst>
+    <p:ext uri="{EFAFB233-063F-42B5-8137-9DF3F51BA10A}">
+      <p15:sldGuideLst xmlns:p15="http://schemas.microsoft.com/office/powerpoint/2012/main"/>
+    </p:ext>
+  </p:extLst>
 </p:presentation>
 </file>
 
@@ -277,7 +283,7 @@
           <a:p>
             <a:fld id="{67EDCD4B-EFF6-4B0F-9741-2B64B3AE5672}" type="datetimeFigureOut">
               <a:rPr lang="en-GB" smtClean="0"/>
-              <a:t>18/05/2025</a:t>
+              <a:t>19/05/2025</a:t>
             </a:fld>
             <a:endParaRPr lang="en-GB"/>
           </a:p>
@@ -475,7 +481,7 @@
           <a:p>
             <a:fld id="{67EDCD4B-EFF6-4B0F-9741-2B64B3AE5672}" type="datetimeFigureOut">
               <a:rPr lang="en-GB" smtClean="0"/>
-              <a:t>18/05/2025</a:t>
+              <a:t>19/05/2025</a:t>
             </a:fld>
             <a:endParaRPr lang="en-GB"/>
           </a:p>
@@ -683,7 +689,7 @@
           <a:p>
             <a:fld id="{67EDCD4B-EFF6-4B0F-9741-2B64B3AE5672}" type="datetimeFigureOut">
               <a:rPr lang="en-GB" smtClean="0"/>
-              <a:t>18/05/2025</a:t>
+              <a:t>19/05/2025</a:t>
             </a:fld>
             <a:endParaRPr lang="en-GB"/>
           </a:p>
@@ -881,7 +887,7 @@
           <a:p>
             <a:fld id="{67EDCD4B-EFF6-4B0F-9741-2B64B3AE5672}" type="datetimeFigureOut">
               <a:rPr lang="en-GB" smtClean="0"/>
-              <a:t>18/05/2025</a:t>
+              <a:t>19/05/2025</a:t>
             </a:fld>
             <a:endParaRPr lang="en-GB"/>
           </a:p>
@@ -1156,7 +1162,7 @@
           <a:p>
             <a:fld id="{67EDCD4B-EFF6-4B0F-9741-2B64B3AE5672}" type="datetimeFigureOut">
               <a:rPr lang="en-GB" smtClean="0"/>
-              <a:t>18/05/2025</a:t>
+              <a:t>19/05/2025</a:t>
             </a:fld>
             <a:endParaRPr lang="en-GB"/>
           </a:p>
@@ -1421,7 +1427,7 @@
           <a:p>
             <a:fld id="{67EDCD4B-EFF6-4B0F-9741-2B64B3AE5672}" type="datetimeFigureOut">
               <a:rPr lang="en-GB" smtClean="0"/>
-              <a:t>18/05/2025</a:t>
+              <a:t>19/05/2025</a:t>
             </a:fld>
             <a:endParaRPr lang="en-GB"/>
           </a:p>
@@ -1833,7 +1839,7 @@
           <a:p>
             <a:fld id="{67EDCD4B-EFF6-4B0F-9741-2B64B3AE5672}" type="datetimeFigureOut">
               <a:rPr lang="en-GB" smtClean="0"/>
-              <a:t>18/05/2025</a:t>
+              <a:t>19/05/2025</a:t>
             </a:fld>
             <a:endParaRPr lang="en-GB"/>
           </a:p>
@@ -1974,7 +1980,7 @@
           <a:p>
             <a:fld id="{67EDCD4B-EFF6-4B0F-9741-2B64B3AE5672}" type="datetimeFigureOut">
               <a:rPr lang="en-GB" smtClean="0"/>
-              <a:t>18/05/2025</a:t>
+              <a:t>19/05/2025</a:t>
             </a:fld>
             <a:endParaRPr lang="en-GB"/>
           </a:p>
@@ -2087,7 +2093,7 @@
           <a:p>
             <a:fld id="{67EDCD4B-EFF6-4B0F-9741-2B64B3AE5672}" type="datetimeFigureOut">
               <a:rPr lang="en-GB" smtClean="0"/>
-              <a:t>18/05/2025</a:t>
+              <a:t>19/05/2025</a:t>
             </a:fld>
             <a:endParaRPr lang="en-GB"/>
           </a:p>
@@ -2398,7 +2404,7 @@
           <a:p>
             <a:fld id="{67EDCD4B-EFF6-4B0F-9741-2B64B3AE5672}" type="datetimeFigureOut">
               <a:rPr lang="en-GB" smtClean="0"/>
-              <a:t>18/05/2025</a:t>
+              <a:t>19/05/2025</a:t>
             </a:fld>
             <a:endParaRPr lang="en-GB"/>
           </a:p>
@@ -2686,7 +2692,7 @@
           <a:p>
             <a:fld id="{67EDCD4B-EFF6-4B0F-9741-2B64B3AE5672}" type="datetimeFigureOut">
               <a:rPr lang="en-GB" smtClean="0"/>
-              <a:t>18/05/2025</a:t>
+              <a:t>19/05/2025</a:t>
             </a:fld>
             <a:endParaRPr lang="en-GB"/>
           </a:p>
@@ -2932,7 +2938,7 @@
           <a:p>
             <a:fld id="{67EDCD4B-EFF6-4B0F-9741-2B64B3AE5672}" type="datetimeFigureOut">
               <a:rPr lang="en-GB" smtClean="0"/>
-              <a:t>18/05/2025</a:t>
+              <a:t>19/05/2025</a:t>
             </a:fld>
             <a:endParaRPr lang="en-GB"/>
           </a:p>
@@ -5168,8 +5174,8 @@
           <a:chExt cx="0" cy="0"/>
         </a:xfrm>
       </p:grpSpPr>
-      <mc:AlternateContent xmlns:mc="http://schemas.openxmlformats.org/markup-compatibility/2006">
-        <mc:Choice xmlns:a14="http://schemas.microsoft.com/office/drawing/2010/main" Requires="a14">
+      <mc:AlternateContent xmlns:mc="http://schemas.openxmlformats.org/markup-compatibility/2006" xmlns:a14="http://schemas.microsoft.com/office/drawing/2010/main">
+        <mc:Choice Requires="a14">
           <p:sp>
             <p:nvSpPr>
               <p:cNvPr id="3" name="TextBox 2">
@@ -5361,7 +5367,7 @@
             </p:txBody>
           </p:sp>
         </mc:Choice>
-        <mc:Fallback>
+        <mc:Fallback xmlns="">
           <p:sp>
             <p:nvSpPr>
               <p:cNvPr id="3" name="TextBox 2">
@@ -5605,7 +5611,7 @@
             </a:r>
             <a:r>
               <a:rPr lang="en-GB" sz="2000" dirty="0"/>
-              <a:t>, especially during the early morning (0–9 h), indicating strong moisture gradients.</a:t>
+              <a:t>, especially during the early morning, indicating strong moisture gradients.</a:t>
             </a:r>
           </a:p>
           <a:p>
@@ -6078,7 +6084,7 @@
         </p:nvSpPr>
         <p:spPr>
           <a:xfrm>
-            <a:off x="530770" y="676141"/>
+            <a:off x="530771" y="791755"/>
             <a:ext cx="10978056" cy="4093428"/>
           </a:xfrm>
           <a:prstGeom prst="rect">
@@ -6205,6 +6211,83 @@
     <p:extLst>
       <p:ext uri="{BB962C8B-B14F-4D97-AF65-F5344CB8AC3E}">
         <p14:creationId xmlns:p14="http://schemas.microsoft.com/office/powerpoint/2010/main" val="997426838"/>
+      </p:ext>
+    </p:extLst>
+  </p:cSld>
+  <p:clrMapOvr>
+    <a:masterClrMapping/>
+  </p:clrMapOvr>
+</p:sld>
+</file>
+
+<file path=ppt/slides/slide25.xml><?xml version="1.0" encoding="utf-8"?>
+<p:sld xmlns:a="http://schemas.openxmlformats.org/drawingml/2006/main" xmlns:r="http://schemas.openxmlformats.org/officeDocument/2006/relationships" xmlns:p="http://schemas.openxmlformats.org/presentationml/2006/main">
+  <p:cSld>
+    <p:spTree>
+      <p:nvGrpSpPr>
+        <p:cNvPr id="1" name=""/>
+        <p:cNvGrpSpPr/>
+        <p:nvPr/>
+      </p:nvGrpSpPr>
+      <p:grpSpPr>
+        <a:xfrm>
+          <a:off x="0" y="0"/>
+          <a:ext cx="0" cy="0"/>
+          <a:chOff x="0" y="0"/>
+          <a:chExt cx="0" cy="0"/>
+        </a:xfrm>
+      </p:grpSpPr>
+      <p:pic>
+        <p:nvPicPr>
+          <p:cNvPr id="1026" name="Picture 2" descr="Thank You Pink Images – Browse 197,262 Stock Photos, Vectors, and Video |  Adobe Stock">
+            <a:extLst>
+              <a:ext uri="{FF2B5EF4-FFF2-40B4-BE49-F238E27FC236}">
+                <a16:creationId xmlns:a16="http://schemas.microsoft.com/office/drawing/2014/main" id="{75988012-6621-BB47-C5FF-021A58B43A03}"/>
+              </a:ext>
+            </a:extLst>
+          </p:cNvPr>
+          <p:cNvPicPr>
+            <a:picLocks noChangeAspect="1" noChangeArrowheads="1"/>
+          </p:cNvPicPr>
+          <p:nvPr/>
+        </p:nvPicPr>
+        <p:blipFill>
+          <a:blip r:embed="rId2">
+            <a:extLst>
+              <a:ext uri="{28A0092B-C50C-407E-A947-70E740481C1C}">
+                <a14:useLocalDpi xmlns:a14="http://schemas.microsoft.com/office/drawing/2010/main" val="0"/>
+              </a:ext>
+            </a:extLst>
+          </a:blip>
+          <a:srcRect/>
+          <a:stretch>
+            <a:fillRect/>
+          </a:stretch>
+        </p:blipFill>
+        <p:spPr bwMode="auto">
+          <a:xfrm>
+            <a:off x="2600982" y="1098988"/>
+            <a:ext cx="6990036" cy="4660024"/>
+          </a:xfrm>
+          <a:prstGeom prst="rect">
+            <a:avLst/>
+          </a:prstGeom>
+          <a:noFill/>
+          <a:extLst>
+            <a:ext uri="{909E8E84-426E-40DD-AFC4-6F175D3DCCD1}">
+              <a14:hiddenFill xmlns:a14="http://schemas.microsoft.com/office/drawing/2010/main">
+                <a:solidFill>
+                  <a:srgbClr val="FFFFFF"/>
+                </a:solidFill>
+              </a14:hiddenFill>
+            </a:ext>
+          </a:extLst>
+        </p:spPr>
+      </p:pic>
+    </p:spTree>
+    <p:extLst>
+      <p:ext uri="{BB962C8B-B14F-4D97-AF65-F5344CB8AC3E}">
+        <p14:creationId xmlns:p14="http://schemas.microsoft.com/office/powerpoint/2010/main" val="1048633334"/>
       </p:ext>
     </p:extLst>
   </p:cSld>
